--- a/chapter13.pptx
+++ b/chapter13.pptx
@@ -1724,7 +1724,7 @@
           </a:bodyPr>
           <a:p>
             <a:pPr algn="r"/>
-            <a:fld id="{0D7E99F5-CC21-40E9-9107-8BB0E089221A}" type="slidenum">
+            <a:fld id="{350BE8BA-E506-4ACE-9213-9CDD7D23EF7E}" type="slidenum">
               <a:rPr b="0" lang="en-US" sz="1400" spc="-1" strike="noStrike">
                 <a:latin typeface="Times New Roman"/>
               </a:rPr>
@@ -3684,32 +3684,32 @@
   <p:timing>
     <p:tnLst>
       <p:par>
-        <p:cTn id="89" dur="indefinite" restart="never" nodeType="tmRoot">
+        <p:cTn id="73" dur="indefinite" restart="never" nodeType="tmRoot">
           <p:childTnLst>
             <p:seq>
-              <p:cTn id="90" dur="indefinite" nodeType="mainSeq">
+              <p:cTn id="74" dur="indefinite" nodeType="mainSeq">
                 <p:childTnLst>
                   <p:par>
-                    <p:cTn id="91" fill="hold">
+                    <p:cTn id="75" fill="hold">
                       <p:stCondLst>
                         <p:cond delay="0"/>
                       </p:stCondLst>
                       <p:childTnLst>
                         <p:par>
-                          <p:cTn id="92" fill="hold">
+                          <p:cTn id="76" fill="hold">
                             <p:stCondLst>
                               <p:cond delay="0"/>
                             </p:stCondLst>
                             <p:childTnLst>
                               <p:par>
-                                <p:cTn id="93" nodeType="withEffect" fill="hold" presetClass="entr" presetID="1">
+                                <p:cTn id="77" nodeType="withEffect" fill="hold" presetClass="entr" presetID="1">
                                   <p:stCondLst>
                                     <p:cond delay="0"/>
                                   </p:stCondLst>
                                   <p:childTnLst>
                                     <p:set>
                                       <p:cBhvr>
-                                        <p:cTn id="94" dur="1" fill="hold">
+                                        <p:cTn id="78" dur="1" fill="hold">
                                           <p:stCondLst>
                                             <p:cond delay="0"/>
                                           </p:stCondLst>
@@ -3739,26 +3739,26 @@
                     </p:cTn>
                   </p:par>
                   <p:par>
-                    <p:cTn id="95" fill="hold">
+                    <p:cTn id="79" fill="hold">
                       <p:stCondLst>
                         <p:cond delay="indefinite"/>
                       </p:stCondLst>
                       <p:childTnLst>
                         <p:par>
-                          <p:cTn id="96" fill="hold">
+                          <p:cTn id="80" fill="hold">
                             <p:stCondLst>
                               <p:cond delay="0"/>
                             </p:stCondLst>
                             <p:childTnLst>
                               <p:par>
-                                <p:cTn id="97" nodeType="clickEffect" fill="hold" presetClass="entr" presetID="1">
+                                <p:cTn id="81" nodeType="clickEffect" fill="hold" presetClass="entr" presetID="1">
                                   <p:stCondLst>
                                     <p:cond delay="0"/>
                                   </p:stCondLst>
                                   <p:childTnLst>
                                     <p:set>
                                       <p:cBhvr>
-                                        <p:cTn id="98" dur="1" fill="hold">
+                                        <p:cTn id="82" dur="1" fill="hold">
                                           <p:stCondLst>
                                             <p:cond delay="0"/>
                                           </p:stCondLst>
@@ -3788,26 +3788,26 @@
                     </p:cTn>
                   </p:par>
                   <p:par>
-                    <p:cTn id="99" fill="hold">
+                    <p:cTn id="83" fill="hold">
                       <p:stCondLst>
                         <p:cond delay="indefinite"/>
                       </p:stCondLst>
                       <p:childTnLst>
                         <p:par>
-                          <p:cTn id="100" fill="hold">
+                          <p:cTn id="84" fill="hold">
                             <p:stCondLst>
                               <p:cond delay="0"/>
                             </p:stCondLst>
                             <p:childTnLst>
                               <p:par>
-                                <p:cTn id="101" nodeType="clickEffect" fill="hold" presetClass="entr" presetID="1">
+                                <p:cTn id="85" nodeType="clickEffect" fill="hold" presetClass="entr" presetID="1">
                                   <p:stCondLst>
                                     <p:cond delay="0"/>
                                   </p:stCondLst>
                                   <p:childTnLst>
                                     <p:set>
                                       <p:cBhvr>
-                                        <p:cTn id="102" dur="1" fill="hold">
+                                        <p:cTn id="86" dur="1" fill="hold">
                                           <p:stCondLst>
                                             <p:cond delay="0"/>
                                           </p:stCondLst>
@@ -3837,26 +3837,26 @@
                     </p:cTn>
                   </p:par>
                   <p:par>
-                    <p:cTn id="103" fill="hold">
+                    <p:cTn id="87" fill="hold">
                       <p:stCondLst>
                         <p:cond delay="indefinite"/>
                       </p:stCondLst>
                       <p:childTnLst>
                         <p:par>
-                          <p:cTn id="104" fill="hold">
+                          <p:cTn id="88" fill="hold">
                             <p:stCondLst>
                               <p:cond delay="0"/>
                             </p:stCondLst>
                             <p:childTnLst>
                               <p:par>
-                                <p:cTn id="105" nodeType="clickEffect" fill="hold" presetClass="entr" presetID="1">
+                                <p:cTn id="89" nodeType="clickEffect" fill="hold" presetClass="entr" presetID="1">
                                   <p:stCondLst>
                                     <p:cond delay="0"/>
                                   </p:stCondLst>
                                   <p:childTnLst>
                                     <p:set>
                                       <p:cBhvr>
-                                        <p:cTn id="106" dur="1" fill="hold">
+                                        <p:cTn id="90" dur="1" fill="hold">
                                           <p:stCondLst>
                                             <p:cond delay="0"/>
                                           </p:stCondLst>
@@ -4000,7 +4000,7 @@
               <a:t>public Deck subdeck(int low, int high) {</a:t>
             </a:r>
             <a:endParaRPr b="0" lang="en-US" sz="1800" spc="-1" strike="noStrike">
-              <a:latin typeface="Courier New"/>
+              <a:latin typeface="Arial"/>
             </a:endParaRPr>
           </a:p>
           <a:p>
@@ -4022,7 +4022,7 @@
               <a:t>Deck sub = new Deck(high - low + 1);</a:t>
             </a:r>
             <a:endParaRPr b="0" lang="en-US" sz="1800" spc="-1" strike="noStrike">
-              <a:latin typeface="Courier New"/>
+              <a:latin typeface="Arial"/>
             </a:endParaRPr>
           </a:p>
           <a:p>
@@ -4044,7 +4044,7 @@
               <a:t>for (int i = 0; i &lt; sub.cards.length; i++) {</a:t>
             </a:r>
             <a:endParaRPr b="0" lang="en-US" sz="1800" spc="-1" strike="noStrike">
-              <a:latin typeface="Courier New"/>
+              <a:latin typeface="Arial"/>
             </a:endParaRPr>
           </a:p>
           <a:p>
@@ -4066,7 +4066,7 @@
               <a:t>sub.cards[i] = this.cards[low + i];</a:t>
             </a:r>
             <a:endParaRPr b="0" lang="en-US" sz="1800" spc="-1" strike="noStrike">
-              <a:latin typeface="Courier New"/>
+              <a:latin typeface="Arial"/>
             </a:endParaRPr>
           </a:p>
           <a:p>
@@ -4088,7 +4088,7 @@
               <a:t>}</a:t>
             </a:r>
             <a:endParaRPr b="0" lang="en-US" sz="1800" spc="-1" strike="noStrike">
-              <a:latin typeface="Courier New"/>
+              <a:latin typeface="Arial"/>
             </a:endParaRPr>
           </a:p>
           <a:p>
@@ -4110,7 +4110,7 @@
               <a:t>return sub;</a:t>
             </a:r>
             <a:endParaRPr b="0" lang="en-US" sz="1800" spc="-1" strike="noStrike">
-              <a:latin typeface="Courier New"/>
+              <a:latin typeface="Arial"/>
             </a:endParaRPr>
           </a:p>
           <a:p>
@@ -4126,7 +4126,7 @@
               <a:t>}</a:t>
             </a:r>
             <a:endParaRPr b="0" lang="en-US" sz="1800" spc="-1" strike="noStrike">
-              <a:latin typeface="Courier New"/>
+              <a:latin typeface="Arial"/>
             </a:endParaRPr>
           </a:p>
         </p:txBody>
@@ -4268,32 +4268,32 @@
   <p:timing>
     <p:tnLst>
       <p:par>
-        <p:cTn id="107" dur="indefinite" restart="never" nodeType="tmRoot">
+        <p:cTn id="91" dur="indefinite" restart="never" nodeType="tmRoot">
           <p:childTnLst>
             <p:seq>
-              <p:cTn id="108" dur="indefinite" nodeType="mainSeq">
+              <p:cTn id="92" dur="indefinite" nodeType="mainSeq">
                 <p:childTnLst>
                   <p:par>
-                    <p:cTn id="109" fill="hold">
+                    <p:cTn id="93" fill="hold">
                       <p:stCondLst>
                         <p:cond delay="0"/>
                       </p:stCondLst>
                       <p:childTnLst>
                         <p:par>
-                          <p:cTn id="110" fill="hold">
+                          <p:cTn id="94" fill="hold">
                             <p:stCondLst>
                               <p:cond delay="0"/>
                             </p:stCondLst>
                             <p:childTnLst>
                               <p:par>
-                                <p:cTn id="111" nodeType="withEffect" fill="hold" presetClass="entr" presetID="1">
+                                <p:cTn id="95" nodeType="withEffect" fill="hold" presetClass="entr" presetID="1">
                                   <p:stCondLst>
                                     <p:cond delay="0"/>
                                   </p:stCondLst>
                                   <p:childTnLst>
                                     <p:set>
                                       <p:cBhvr>
-                                        <p:cTn id="112" dur="1" fill="hold">
+                                        <p:cTn id="96" dur="1" fill="hold">
                                           <p:stCondLst>
                                             <p:cond delay="0"/>
                                           </p:stCondLst>
@@ -4317,14 +4317,14 @@
                                 </p:cTn>
                               </p:par>
                               <p:par>
-                                <p:cTn id="113" nodeType="withEffect" fill="hold" presetClass="entr" presetID="1">
+                                <p:cTn id="97" nodeType="withEffect" fill="hold" presetClass="entr" presetID="1">
                                   <p:stCondLst>
                                     <p:cond delay="0"/>
                                   </p:stCondLst>
                                   <p:childTnLst>
                                     <p:set>
                                       <p:cBhvr>
-                                        <p:cTn id="114" dur="1" fill="hold">
+                                        <p:cTn id="98" dur="1" fill="hold">
                                           <p:stCondLst>
                                             <p:cond delay="0"/>
                                           </p:stCondLst>
@@ -4348,14 +4348,14 @@
                                 </p:cTn>
                               </p:par>
                               <p:par>
-                                <p:cTn id="115" nodeType="withEffect" fill="hold" presetClass="entr" presetID="1">
+                                <p:cTn id="99" nodeType="withEffect" fill="hold" presetClass="entr" presetID="1">
                                   <p:stCondLst>
                                     <p:cond delay="0"/>
                                   </p:stCondLst>
                                   <p:childTnLst>
                                     <p:set>
                                       <p:cBhvr>
-                                        <p:cTn id="116" dur="1" fill="hold">
+                                        <p:cTn id="100" dur="1" fill="hold">
                                           <p:stCondLst>
                                             <p:cond delay="0"/>
                                           </p:stCondLst>
@@ -4379,14 +4379,14 @@
                                 </p:cTn>
                               </p:par>
                               <p:par>
-                                <p:cTn id="117" nodeType="withEffect" fill="hold" presetClass="entr" presetID="1">
+                                <p:cTn id="101" nodeType="withEffect" fill="hold" presetClass="entr" presetID="1">
                                   <p:stCondLst>
                                     <p:cond delay="0"/>
                                   </p:stCondLst>
                                   <p:childTnLst>
                                     <p:set>
                                       <p:cBhvr>
-                                        <p:cTn id="118" dur="1" fill="hold">
+                                        <p:cTn id="102" dur="1" fill="hold">
                                           <p:stCondLst>
                                             <p:cond delay="0"/>
                                           </p:stCondLst>
@@ -4410,14 +4410,14 @@
                                 </p:cTn>
                               </p:par>
                               <p:par>
-                                <p:cTn id="119" nodeType="withEffect" fill="hold" presetClass="entr" presetID="1">
+                                <p:cTn id="103" nodeType="withEffect" fill="hold" presetClass="entr" presetID="1">
                                   <p:stCondLst>
                                     <p:cond delay="0"/>
                                   </p:stCondLst>
                                   <p:childTnLst>
                                     <p:set>
                                       <p:cBhvr>
-                                        <p:cTn id="120" dur="1" fill="hold">
+                                        <p:cTn id="104" dur="1" fill="hold">
                                           <p:stCondLst>
                                             <p:cond delay="0"/>
                                           </p:stCondLst>
@@ -4441,14 +4441,14 @@
                                 </p:cTn>
                               </p:par>
                               <p:par>
-                                <p:cTn id="121" nodeType="withEffect" fill="hold" presetClass="entr" presetID="1">
+                                <p:cTn id="105" nodeType="withEffect" fill="hold" presetClass="entr" presetID="1">
                                   <p:stCondLst>
                                     <p:cond delay="0"/>
                                   </p:stCondLst>
                                   <p:childTnLst>
                                     <p:set>
                                       <p:cBhvr>
-                                        <p:cTn id="122" dur="1" fill="hold">
+                                        <p:cTn id="106" dur="1" fill="hold">
                                           <p:stCondLst>
                                             <p:cond delay="0"/>
                                           </p:stCondLst>
@@ -4472,14 +4472,14 @@
                                 </p:cTn>
                               </p:par>
                               <p:par>
-                                <p:cTn id="123" nodeType="withEffect" fill="hold" presetClass="entr" presetID="1">
+                                <p:cTn id="107" nodeType="withEffect" fill="hold" presetClass="entr" presetID="1">
                                   <p:stCondLst>
                                     <p:cond delay="0"/>
                                   </p:stCondLst>
                                   <p:childTnLst>
                                     <p:set>
                                       <p:cBhvr>
-                                        <p:cTn id="124" dur="1" fill="hold">
+                                        <p:cTn id="108" dur="1" fill="hold">
                                           <p:stCondLst>
                                             <p:cond delay="0"/>
                                           </p:stCondLst>
@@ -4509,26 +4509,26 @@
                     </p:cTn>
                   </p:par>
                   <p:par>
-                    <p:cTn id="125" fill="hold">
+                    <p:cTn id="109" fill="hold">
                       <p:stCondLst>
                         <p:cond delay="indefinite"/>
                       </p:stCondLst>
                       <p:childTnLst>
                         <p:par>
-                          <p:cTn id="126" fill="hold">
+                          <p:cTn id="110" fill="hold">
                             <p:stCondLst>
                               <p:cond delay="0"/>
                             </p:stCondLst>
                             <p:childTnLst>
                               <p:par>
-                                <p:cTn id="127" nodeType="clickEffect" fill="hold" presetClass="entr" presetID="1">
+                                <p:cTn id="111" nodeType="clickEffect" fill="hold" presetClass="entr" presetID="1">
                                   <p:stCondLst>
                                     <p:cond delay="0"/>
                                   </p:stCondLst>
                                   <p:childTnLst>
                                     <p:set>
                                       <p:cBhvr>
-                                        <p:cTn id="128" dur="1" fill="hold">
+                                        <p:cTn id="112" dur="1" fill="hold">
                                           <p:stCondLst>
                                             <p:cond delay="0"/>
                                           </p:stCondLst>
@@ -4554,26 +4554,26 @@
                     </p:cTn>
                   </p:par>
                   <p:par>
-                    <p:cTn id="129" fill="hold">
+                    <p:cTn id="113" fill="hold">
                       <p:stCondLst>
                         <p:cond delay="indefinite"/>
                       </p:stCondLst>
                       <p:childTnLst>
                         <p:par>
-                          <p:cTn id="130" fill="hold">
+                          <p:cTn id="114" fill="hold">
                             <p:stCondLst>
                               <p:cond delay="0"/>
                             </p:stCondLst>
                             <p:childTnLst>
                               <p:par>
-                                <p:cTn id="131" nodeType="clickEffect" fill="hold" presetClass="entr" presetID="1">
+                                <p:cTn id="115" nodeType="clickEffect" fill="hold" presetClass="entr" presetID="1">
                                   <p:stCondLst>
                                     <p:cond delay="0"/>
                                   </p:stCondLst>
                                   <p:childTnLst>
                                     <p:set>
                                       <p:cBhvr>
-                                        <p:cTn id="132" dur="1" fill="hold">
+                                        <p:cTn id="116" dur="1" fill="hold">
                                           <p:stCondLst>
                                             <p:cond delay="0"/>
                                           </p:stCondLst>
@@ -5306,7 +5306,7 @@
               <a:t>Deck sub = deck.subdeck(0, 4);</a:t>
             </a:r>
             <a:endParaRPr b="0" lang="en-US" sz="1800" spc="-1" strike="noStrike">
-              <a:latin typeface="Courier New"/>
+              <a:latin typeface="Arial"/>
             </a:endParaRPr>
           </a:p>
         </p:txBody>
@@ -7742,32 +7742,32 @@
   <p:timing>
     <p:tnLst>
       <p:par>
-        <p:cTn id="133" dur="indefinite" restart="never" nodeType="tmRoot">
+        <p:cTn id="117" dur="indefinite" restart="never" nodeType="tmRoot">
           <p:childTnLst>
             <p:seq>
-              <p:cTn id="134" dur="indefinite" nodeType="mainSeq">
+              <p:cTn id="118" dur="indefinite" nodeType="mainSeq">
                 <p:childTnLst>
                   <p:par>
-                    <p:cTn id="135" fill="hold">
+                    <p:cTn id="119" fill="hold">
                       <p:stCondLst>
                         <p:cond delay="0"/>
                       </p:stCondLst>
                       <p:childTnLst>
                         <p:par>
-                          <p:cTn id="136" fill="hold">
+                          <p:cTn id="120" fill="hold">
                             <p:stCondLst>
                               <p:cond delay="0"/>
                             </p:stCondLst>
                             <p:childTnLst>
                               <p:par>
-                                <p:cTn id="137" nodeType="withEffect" fill="hold" presetClass="entr" presetID="1">
+                                <p:cTn id="121" nodeType="withEffect" fill="hold" presetClass="entr" presetID="1">
                                   <p:stCondLst>
                                     <p:cond delay="0"/>
                                   </p:stCondLst>
                                   <p:childTnLst>
                                     <p:set>
                                       <p:cBhvr>
-                                        <p:cTn id="138" dur="1" fill="hold">
+                                        <p:cTn id="122" dur="1" fill="hold">
                                           <p:stCondLst>
                                             <p:cond delay="0"/>
                                           </p:stCondLst>
@@ -7791,14 +7791,14 @@
                                 </p:cTn>
                               </p:par>
                               <p:par>
-                                <p:cTn id="139" nodeType="withEffect" fill="hold" presetClass="entr" presetID="1">
+                                <p:cTn id="123" nodeType="withEffect" fill="hold" presetClass="entr" presetID="1">
                                   <p:stCondLst>
                                     <p:cond delay="0"/>
                                   </p:stCondLst>
                                   <p:childTnLst>
                                     <p:set>
                                       <p:cBhvr>
-                                        <p:cTn id="140" dur="1" fill="hold">
+                                        <p:cTn id="124" dur="1" fill="hold">
                                           <p:stCondLst>
                                             <p:cond delay="0"/>
                                           </p:stCondLst>
@@ -7822,14 +7822,14 @@
                                 </p:cTn>
                               </p:par>
                               <p:par>
-                                <p:cTn id="141" nodeType="withEffect" fill="hold" presetClass="entr" presetID="1">
+                                <p:cTn id="125" nodeType="withEffect" fill="hold" presetClass="entr" presetID="1">
                                   <p:stCondLst>
                                     <p:cond delay="0"/>
                                   </p:stCondLst>
                                   <p:childTnLst>
                                     <p:set>
                                       <p:cBhvr>
-                                        <p:cTn id="142" dur="1" fill="hold">
+                                        <p:cTn id="126" dur="1" fill="hold">
                                           <p:stCondLst>
                                             <p:cond delay="0"/>
                                           </p:stCondLst>
@@ -7853,14 +7853,14 @@
                                 </p:cTn>
                               </p:par>
                               <p:par>
-                                <p:cTn id="143" nodeType="withEffect" fill="hold" presetClass="entr" presetID="1">
+                                <p:cTn id="127" nodeType="withEffect" fill="hold" presetClass="entr" presetID="1">
                                   <p:stCondLst>
                                     <p:cond delay="0"/>
                                   </p:stCondLst>
                                   <p:childTnLst>
                                     <p:set>
                                       <p:cBhvr>
-                                        <p:cTn id="144" dur="1" fill="hold">
+                                        <p:cTn id="128" dur="1" fill="hold">
                                           <p:stCondLst>
                                             <p:cond delay="0"/>
                                           </p:stCondLst>
@@ -7884,14 +7884,14 @@
                                 </p:cTn>
                               </p:par>
                               <p:par>
-                                <p:cTn id="145" nodeType="withEffect" fill="hold" presetClass="entr" presetID="1">
+                                <p:cTn id="129" nodeType="withEffect" fill="hold" presetClass="entr" presetID="1">
                                   <p:stCondLst>
                                     <p:cond delay="0"/>
                                   </p:stCondLst>
                                   <p:childTnLst>
                                     <p:set>
                                       <p:cBhvr>
-                                        <p:cTn id="146" dur="1" fill="hold">
+                                        <p:cTn id="130" dur="1" fill="hold">
                                           <p:stCondLst>
                                             <p:cond delay="0"/>
                                           </p:stCondLst>
@@ -7921,26 +7921,26 @@
                     </p:cTn>
                   </p:par>
                   <p:par>
-                    <p:cTn id="147" fill="hold">
+                    <p:cTn id="131" fill="hold">
                       <p:stCondLst>
                         <p:cond delay="indefinite"/>
                       </p:stCondLst>
                       <p:childTnLst>
                         <p:par>
-                          <p:cTn id="148" fill="hold">
+                          <p:cTn id="132" fill="hold">
                             <p:stCondLst>
                               <p:cond delay="0"/>
                             </p:stCondLst>
                             <p:childTnLst>
                               <p:par>
-                                <p:cTn id="149" nodeType="clickEffect" fill="hold" presetClass="entr" presetID="1">
+                                <p:cTn id="133" nodeType="clickEffect" fill="hold" presetClass="entr" presetID="1">
                                   <p:stCondLst>
                                     <p:cond delay="0"/>
                                   </p:stCondLst>
                                   <p:childTnLst>
                                     <p:set>
                                       <p:cBhvr>
-                                        <p:cTn id="150" dur="1" fill="hold">
+                                        <p:cTn id="134" dur="1" fill="hold">
                                           <p:stCondLst>
                                             <p:cond delay="0"/>
                                           </p:stCondLst>
@@ -10157,19 +10157,9 @@
           <a:prstGeom prst="rect">
             <a:avLst/>
           </a:prstGeom>
-          <a:gradFill rotWithShape="0">
-            <a:gsLst>
-              <a:gs pos="0">
-                <a:srgbClr val="dddddd"/>
-              </a:gs>
-              <a:gs pos="100000">
-                <a:srgbClr val="dddddd">
-                  <a:alpha val="0"/>
-                </a:srgbClr>
-              </a:gs>
-            </a:gsLst>
-            <a:lin ang="5400000"/>
-          </a:gradFill>
+          <a:solidFill>
+            <a:srgbClr val="dddddd"/>
+          </a:solidFill>
           <a:ln w="12600">
             <a:solidFill>
               <a:srgbClr val="808080"/>
@@ -10435,12 +10425,12 @@
             <a:r>
               <a:rPr b="0" lang="en-US" sz="1800" spc="-1" strike="noStrike">
                 <a:latin typeface="Arial"/>
+                <a:ea typeface="Noto Sans CJK SC"/>
               </a:rPr>
               <a:t>The incorrect statement will give an error:</a:t>
             </a:r>
             <a:endParaRPr b="0" lang="en-US" sz="1800" spc="-1" strike="noStrike">
               <a:latin typeface="Arial"/>
-              <a:ea typeface="Noto Sans CJK SC"/>
             </a:endParaRPr>
           </a:p>
           <a:p>
@@ -10469,32 +10459,32 @@
   <p:timing>
     <p:tnLst>
       <p:par>
-        <p:cTn id="151" dur="indefinite" restart="never" nodeType="tmRoot">
+        <p:cTn id="135" dur="indefinite" restart="never" nodeType="tmRoot">
           <p:childTnLst>
             <p:seq>
-              <p:cTn id="152" dur="indefinite" nodeType="mainSeq">
+              <p:cTn id="136" dur="indefinite" nodeType="mainSeq">
                 <p:childTnLst>
                   <p:par>
-                    <p:cTn id="153" fill="hold">
+                    <p:cTn id="137" fill="hold">
                       <p:stCondLst>
                         <p:cond delay="0"/>
                       </p:stCondLst>
                       <p:childTnLst>
                         <p:par>
-                          <p:cTn id="154" fill="hold">
+                          <p:cTn id="138" fill="hold">
                             <p:stCondLst>
                               <p:cond delay="0"/>
                             </p:stCondLst>
                             <p:childTnLst>
                               <p:par>
-                                <p:cTn id="155" nodeType="withEffect" fill="hold" presetClass="entr" presetID="1">
+                                <p:cTn id="139" nodeType="withEffect" fill="hold" presetClass="entr" presetID="1">
                                   <p:stCondLst>
                                     <p:cond delay="0"/>
                                   </p:stCondLst>
                                   <p:childTnLst>
                                     <p:set>
                                       <p:cBhvr>
-                                        <p:cTn id="156" dur="1" fill="hold">
+                                        <p:cTn id="140" dur="1" fill="hold">
                                           <p:stCondLst>
                                             <p:cond delay="0"/>
                                           </p:stCondLst>
@@ -10514,14 +10504,14 @@
                                 </p:cTn>
                               </p:par>
                               <p:par>
-                                <p:cTn id="157" nodeType="withEffect" fill="hold" presetClass="entr" presetID="1">
+                                <p:cTn id="141" nodeType="withEffect" fill="hold" presetClass="entr" presetID="1">
                                   <p:stCondLst>
                                     <p:cond delay="0"/>
                                   </p:stCondLst>
                                   <p:childTnLst>
                                     <p:set>
                                       <p:cBhvr>
-                                        <p:cTn id="158" dur="1" fill="hold">
+                                        <p:cTn id="142" dur="1" fill="hold">
                                           <p:stCondLst>
                                             <p:cond delay="0"/>
                                           </p:stCondLst>
@@ -10547,26 +10537,26 @@
                     </p:cTn>
                   </p:par>
                   <p:par>
-                    <p:cTn id="159" fill="hold">
+                    <p:cTn id="143" fill="hold">
                       <p:stCondLst>
                         <p:cond delay="indefinite"/>
                       </p:stCondLst>
                       <p:childTnLst>
                         <p:par>
-                          <p:cTn id="160" fill="hold">
+                          <p:cTn id="144" fill="hold">
                             <p:stCondLst>
                               <p:cond delay="0"/>
                             </p:stCondLst>
                             <p:childTnLst>
                               <p:par>
-                                <p:cTn id="161" nodeType="clickEffect" fill="hold" presetClass="entr" presetID="1">
+                                <p:cTn id="145" nodeType="clickEffect" fill="hold" presetClass="entr" presetID="1">
                                   <p:stCondLst>
                                     <p:cond delay="0"/>
                                   </p:stCondLst>
                                   <p:childTnLst>
                                     <p:set>
                                       <p:cBhvr>
-                                        <p:cTn id="162" dur="1" fill="hold">
+                                        <p:cTn id="146" dur="1" fill="hold">
                                           <p:stCondLst>
                                             <p:cond delay="0"/>
                                           </p:stCondLst>
@@ -10592,26 +10582,26 @@
                     </p:cTn>
                   </p:par>
                   <p:par>
-                    <p:cTn id="163" fill="hold">
+                    <p:cTn id="147" fill="hold">
                       <p:stCondLst>
                         <p:cond delay="indefinite"/>
                       </p:stCondLst>
                       <p:childTnLst>
                         <p:par>
-                          <p:cTn id="164" fill="hold">
+                          <p:cTn id="148" fill="hold">
                             <p:stCondLst>
                               <p:cond delay="0"/>
                             </p:stCondLst>
                             <p:childTnLst>
                               <p:par>
-                                <p:cTn id="165" nodeType="clickEffect" fill="hold" presetClass="entr" presetID="1">
+                                <p:cTn id="149" nodeType="clickEffect" fill="hold" presetClass="entr" presetID="1">
                                   <p:stCondLst>
                                     <p:cond delay="0"/>
                                   </p:stCondLst>
                                   <p:childTnLst>
                                     <p:set>
                                       <p:cBhvr>
-                                        <p:cTn id="166" dur="1" fill="hold">
+                                        <p:cTn id="150" dur="1" fill="hold">
                                           <p:stCondLst>
                                             <p:cond delay="0"/>
                                           </p:stCondLst>
@@ -10637,26 +10627,26 @@
                     </p:cTn>
                   </p:par>
                   <p:par>
-                    <p:cTn id="167" fill="hold">
+                    <p:cTn id="151" fill="hold">
                       <p:stCondLst>
                         <p:cond delay="indefinite"/>
                       </p:stCondLst>
                       <p:childTnLst>
                         <p:par>
-                          <p:cTn id="168" fill="hold">
+                          <p:cTn id="152" fill="hold">
                             <p:stCondLst>
                               <p:cond delay="0"/>
                             </p:stCondLst>
                             <p:childTnLst>
                               <p:par>
-                                <p:cTn id="169" nodeType="clickEffect" fill="hold" presetClass="entr" presetID="1">
+                                <p:cTn id="153" nodeType="clickEffect" fill="hold" presetClass="entr" presetID="1">
                                   <p:stCondLst>
                                     <p:cond delay="0"/>
                                   </p:stCondLst>
                                   <p:childTnLst>
                                     <p:set>
                                       <p:cBhvr>
-                                        <p:cTn id="170" dur="1" fill="hold">
+                                        <p:cTn id="154" dur="1" fill="hold">
                                           <p:stCondLst>
                                             <p:cond delay="0"/>
                                           </p:stCondLst>
@@ -11019,32 +11009,32 @@
   <p:timing>
     <p:tnLst>
       <p:par>
-        <p:cTn id="171" dur="indefinite" restart="never" nodeType="tmRoot">
+        <p:cTn id="155" dur="indefinite" restart="never" nodeType="tmRoot">
           <p:childTnLst>
             <p:seq>
-              <p:cTn id="172" dur="indefinite" nodeType="mainSeq">
+              <p:cTn id="156" dur="indefinite" nodeType="mainSeq">
                 <p:childTnLst>
                   <p:par>
-                    <p:cTn id="173" fill="hold">
+                    <p:cTn id="157" fill="hold">
                       <p:stCondLst>
                         <p:cond delay="0"/>
                       </p:stCondLst>
                       <p:childTnLst>
                         <p:par>
-                          <p:cTn id="174" fill="hold">
+                          <p:cTn id="158" fill="hold">
                             <p:stCondLst>
                               <p:cond delay="0"/>
                             </p:stCondLst>
                             <p:childTnLst>
                               <p:par>
-                                <p:cTn id="175" nodeType="withEffect" fill="hold" presetClass="entr" presetID="1">
+                                <p:cTn id="159" nodeType="withEffect" fill="hold" presetClass="entr" presetID="1">
                                   <p:stCondLst>
                                     <p:cond delay="0"/>
                                   </p:stCondLst>
                                   <p:childTnLst>
                                     <p:set>
                                       <p:cBhvr>
-                                        <p:cTn id="176" dur="1" fill="hold">
+                                        <p:cTn id="160" dur="1" fill="hold">
                                           <p:stCondLst>
                                             <p:cond delay="0"/>
                                           </p:stCondLst>
@@ -11070,26 +11060,26 @@
                     </p:cTn>
                   </p:par>
                   <p:par>
-                    <p:cTn id="177" fill="hold">
+                    <p:cTn id="161" fill="hold">
                       <p:stCondLst>
                         <p:cond delay="indefinite"/>
                       </p:stCondLst>
                       <p:childTnLst>
                         <p:par>
-                          <p:cTn id="178" fill="hold">
+                          <p:cTn id="162" fill="hold">
                             <p:stCondLst>
                               <p:cond delay="0"/>
                             </p:stCondLst>
                             <p:childTnLst>
                               <p:par>
-                                <p:cTn id="179" nodeType="clickEffect" fill="hold" presetClass="entr" presetID="1">
+                                <p:cTn id="163" nodeType="clickEffect" fill="hold" presetClass="entr" presetID="1">
                                   <p:stCondLst>
                                     <p:cond delay="0"/>
                                   </p:stCondLst>
                                   <p:childTnLst>
                                     <p:set>
                                       <p:cBhvr>
-                                        <p:cTn id="180" dur="1" fill="hold">
+                                        <p:cTn id="164" dur="1" fill="hold">
                                           <p:stCondLst>
                                             <p:cond delay="0"/>
                                           </p:stCondLst>
@@ -11115,26 +11105,26 @@
                     </p:cTn>
                   </p:par>
                   <p:par>
-                    <p:cTn id="181" fill="hold">
+                    <p:cTn id="165" fill="hold">
                       <p:stCondLst>
                         <p:cond delay="indefinite"/>
                       </p:stCondLst>
                       <p:childTnLst>
                         <p:par>
-                          <p:cTn id="182" fill="hold">
+                          <p:cTn id="166" fill="hold">
                             <p:stCondLst>
                               <p:cond delay="0"/>
                             </p:stCondLst>
                             <p:childTnLst>
                               <p:par>
-                                <p:cTn id="183" nodeType="clickEffect" fill="hold" presetClass="entr" presetID="1">
+                                <p:cTn id="167" nodeType="clickEffect" fill="hold" presetClass="entr" presetID="1">
                                   <p:stCondLst>
                                     <p:cond delay="0"/>
                                   </p:stCondLst>
                                   <p:childTnLst>
                                     <p:set>
                                       <p:cBhvr>
-                                        <p:cTn id="184" dur="1" fill="hold">
+                                        <p:cTn id="168" dur="1" fill="hold">
                                           <p:stCondLst>
                                             <p:cond delay="0"/>
                                           </p:stCondLst>
@@ -11412,32 +11402,32 @@
   <p:timing>
     <p:tnLst>
       <p:par>
-        <p:cTn id="185" dur="indefinite" restart="never" nodeType="tmRoot">
+        <p:cTn id="169" dur="indefinite" restart="never" nodeType="tmRoot">
           <p:childTnLst>
             <p:seq>
-              <p:cTn id="186" dur="indefinite" nodeType="mainSeq">
+              <p:cTn id="170" dur="indefinite" nodeType="mainSeq">
                 <p:childTnLst>
                   <p:par>
-                    <p:cTn id="187" fill="hold">
+                    <p:cTn id="171" fill="hold">
                       <p:stCondLst>
                         <p:cond delay="0"/>
                       </p:stCondLst>
                       <p:childTnLst>
                         <p:par>
-                          <p:cTn id="188" fill="hold">
+                          <p:cTn id="172" fill="hold">
                             <p:stCondLst>
                               <p:cond delay="0"/>
                             </p:stCondLst>
                             <p:childTnLst>
                               <p:par>
-                                <p:cTn id="189" nodeType="withEffect" fill="hold" presetClass="entr" presetID="1">
+                                <p:cTn id="173" nodeType="withEffect" fill="hold" presetClass="entr" presetID="1">
                                   <p:stCondLst>
                                     <p:cond delay="0"/>
                                   </p:stCondLst>
                                   <p:childTnLst>
                                     <p:set>
                                       <p:cBhvr>
-                                        <p:cTn id="190" dur="1" fill="hold">
+                                        <p:cTn id="174" dur="1" fill="hold">
                                           <p:stCondLst>
                                             <p:cond delay="0"/>
                                           </p:stCondLst>
@@ -11467,26 +11457,26 @@
                     </p:cTn>
                   </p:par>
                   <p:par>
-                    <p:cTn id="191" fill="hold">
+                    <p:cTn id="175" fill="hold">
                       <p:stCondLst>
                         <p:cond delay="indefinite"/>
                       </p:stCondLst>
                       <p:childTnLst>
                         <p:par>
-                          <p:cTn id="192" fill="hold">
+                          <p:cTn id="176" fill="hold">
                             <p:stCondLst>
                               <p:cond delay="0"/>
                             </p:stCondLst>
                             <p:childTnLst>
                               <p:par>
-                                <p:cTn id="193" nodeType="clickEffect" fill="hold" presetClass="entr" presetID="1">
+                                <p:cTn id="177" nodeType="clickEffect" fill="hold" presetClass="entr" presetID="1">
                                   <p:stCondLst>
                                     <p:cond delay="0"/>
                                   </p:stCondLst>
                                   <p:childTnLst>
                                     <p:set>
                                       <p:cBhvr>
-                                        <p:cTn id="194" dur="1" fill="hold">
+                                        <p:cTn id="178" dur="1" fill="hold">
                                           <p:stCondLst>
                                             <p:cond delay="0"/>
                                           </p:stCondLst>
@@ -11516,26 +11506,26 @@
                     </p:cTn>
                   </p:par>
                   <p:par>
-                    <p:cTn id="195" fill="hold">
+                    <p:cTn id="179" fill="hold">
                       <p:stCondLst>
                         <p:cond delay="indefinite"/>
                       </p:stCondLst>
                       <p:childTnLst>
                         <p:par>
-                          <p:cTn id="196" fill="hold">
+                          <p:cTn id="180" fill="hold">
                             <p:stCondLst>
                               <p:cond delay="0"/>
                             </p:stCondLst>
                             <p:childTnLst>
                               <p:par>
-                                <p:cTn id="197" nodeType="clickEffect" fill="hold" presetClass="entr" presetID="1">
+                                <p:cTn id="181" nodeType="clickEffect" fill="hold" presetClass="entr" presetID="1">
                                   <p:stCondLst>
                                     <p:cond delay="0"/>
                                   </p:stCondLst>
                                   <p:childTnLst>
                                     <p:set>
                                       <p:cBhvr>
-                                        <p:cTn id="198" dur="1" fill="hold">
+                                        <p:cTn id="182" dur="1" fill="hold">
                                           <p:stCondLst>
                                             <p:cond delay="0"/>
                                           </p:stCondLst>
@@ -11565,26 +11555,26 @@
                     </p:cTn>
                   </p:par>
                   <p:par>
-                    <p:cTn id="199" fill="hold">
+                    <p:cTn id="183" fill="hold">
                       <p:stCondLst>
                         <p:cond delay="indefinite"/>
                       </p:stCondLst>
                       <p:childTnLst>
                         <p:par>
-                          <p:cTn id="200" fill="hold">
+                          <p:cTn id="184" fill="hold">
                             <p:stCondLst>
                               <p:cond delay="0"/>
                             </p:stCondLst>
                             <p:childTnLst>
                               <p:par>
-                                <p:cTn id="201" nodeType="clickEffect" fill="hold" presetClass="entr" presetID="1">
+                                <p:cTn id="185" nodeType="clickEffect" fill="hold" presetClass="entr" presetID="1">
                                   <p:stCondLst>
                                     <p:cond delay="0"/>
                                   </p:stCondLst>
                                   <p:childTnLst>
                                     <p:set>
                                       <p:cBhvr>
-                                        <p:cTn id="202" dur="1" fill="hold">
+                                        <p:cTn id="186" dur="1" fill="hold">
                                           <p:stCondLst>
                                             <p:cond delay="0"/>
                                           </p:stCondLst>
@@ -12006,32 +11996,32 @@
   <p:timing>
     <p:tnLst>
       <p:par>
-        <p:cTn id="203" dur="indefinite" restart="never" nodeType="tmRoot">
+        <p:cTn id="187" dur="indefinite" restart="never" nodeType="tmRoot">
           <p:childTnLst>
             <p:seq>
-              <p:cTn id="204" dur="indefinite" nodeType="mainSeq">
+              <p:cTn id="188" dur="indefinite" nodeType="mainSeq">
                 <p:childTnLst>
                   <p:par>
-                    <p:cTn id="205" fill="hold">
+                    <p:cTn id="189" fill="hold">
                       <p:stCondLst>
                         <p:cond delay="0"/>
                       </p:stCondLst>
                       <p:childTnLst>
                         <p:par>
-                          <p:cTn id="206" fill="hold">
+                          <p:cTn id="190" fill="hold">
                             <p:stCondLst>
                               <p:cond delay="0"/>
                             </p:stCondLst>
                             <p:childTnLst>
                               <p:par>
-                                <p:cTn id="207" nodeType="withEffect" fill="hold" presetClass="entr" presetID="1">
+                                <p:cTn id="191" nodeType="withEffect" fill="hold" presetClass="entr" presetID="1">
                                   <p:stCondLst>
                                     <p:cond delay="0"/>
                                   </p:stCondLst>
                                   <p:childTnLst>
                                     <p:set>
                                       <p:cBhvr>
-                                        <p:cTn id="208" dur="1" fill="hold">
+                                        <p:cTn id="192" dur="1" fill="hold">
                                           <p:stCondLst>
                                             <p:cond delay="0"/>
                                           </p:stCondLst>
@@ -12055,14 +12045,14 @@
                                 </p:cTn>
                               </p:par>
                               <p:par>
-                                <p:cTn id="209" nodeType="withEffect" fill="hold" presetClass="entr" presetID="1">
+                                <p:cTn id="193" nodeType="withEffect" fill="hold" presetClass="entr" presetID="1">
                                   <p:stCondLst>
                                     <p:cond delay="0"/>
                                   </p:stCondLst>
                                   <p:childTnLst>
                                     <p:set>
                                       <p:cBhvr>
-                                        <p:cTn id="210" dur="1" fill="hold">
+                                        <p:cTn id="194" dur="1" fill="hold">
                                           <p:stCondLst>
                                             <p:cond delay="0"/>
                                           </p:stCondLst>
@@ -12092,26 +12082,26 @@
                     </p:cTn>
                   </p:par>
                   <p:par>
-                    <p:cTn id="211" fill="hold">
+                    <p:cTn id="195" fill="hold">
                       <p:stCondLst>
                         <p:cond delay="indefinite"/>
                       </p:stCondLst>
                       <p:childTnLst>
                         <p:par>
-                          <p:cTn id="212" fill="hold">
+                          <p:cTn id="196" fill="hold">
                             <p:stCondLst>
                               <p:cond delay="0"/>
                             </p:stCondLst>
                             <p:childTnLst>
                               <p:par>
-                                <p:cTn id="213" nodeType="clickEffect" fill="hold" presetClass="entr" presetID="1">
+                                <p:cTn id="197" nodeType="clickEffect" fill="hold" presetClass="entr" presetID="1">
                                   <p:stCondLst>
                                     <p:cond delay="0"/>
                                   </p:stCondLst>
                                   <p:childTnLst>
                                     <p:set>
                                       <p:cBhvr>
-                                        <p:cTn id="214" dur="1" fill="hold">
+                                        <p:cTn id="198" dur="1" fill="hold">
                                           <p:stCondLst>
                                             <p:cond delay="0"/>
                                           </p:stCondLst>
@@ -12137,26 +12127,26 @@
                     </p:cTn>
                   </p:par>
                   <p:par>
-                    <p:cTn id="215" fill="hold">
+                    <p:cTn id="199" fill="hold">
                       <p:stCondLst>
                         <p:cond delay="indefinite"/>
                       </p:stCondLst>
                       <p:childTnLst>
                         <p:par>
-                          <p:cTn id="216" fill="hold">
+                          <p:cTn id="200" fill="hold">
                             <p:stCondLst>
                               <p:cond delay="0"/>
                             </p:stCondLst>
                             <p:childTnLst>
                               <p:par>
-                                <p:cTn id="217" nodeType="clickEffect" fill="hold" presetClass="entr" presetID="1">
+                                <p:cTn id="201" nodeType="clickEffect" fill="hold" presetClass="entr" presetID="1">
                                   <p:stCondLst>
                                     <p:cond delay="0"/>
                                   </p:stCondLst>
                                   <p:childTnLst>
                                     <p:set>
                                       <p:cBhvr>
-                                        <p:cTn id="218" dur="1" fill="hold">
+                                        <p:cTn id="202" dur="1" fill="hold">
                                           <p:stCondLst>
                                             <p:cond delay="0"/>
                                           </p:stCondLst>
@@ -12782,7 +12772,7 @@
                 <a:t>weightList</a:t>
               </a:r>
               <a:endParaRPr b="0" lang="en-US" sz="1400" spc="-1" strike="noStrike">
-                <a:latin typeface="Courier New"/>
+                <a:latin typeface="Arial"/>
               </a:endParaRPr>
             </a:p>
           </p:txBody>
@@ -13134,32 +13124,32 @@
   <p:timing>
     <p:tnLst>
       <p:par>
-        <p:cTn id="219" dur="indefinite" restart="never" nodeType="tmRoot">
+        <p:cTn id="203" dur="indefinite" restart="never" nodeType="tmRoot">
           <p:childTnLst>
             <p:seq>
-              <p:cTn id="220" dur="indefinite" nodeType="mainSeq">
+              <p:cTn id="204" dur="indefinite" nodeType="mainSeq">
                 <p:childTnLst>
                   <p:par>
-                    <p:cTn id="221" fill="hold">
+                    <p:cTn id="205" fill="hold">
                       <p:stCondLst>
                         <p:cond delay="0"/>
                       </p:stCondLst>
                       <p:childTnLst>
                         <p:par>
-                          <p:cTn id="222" fill="hold">
+                          <p:cTn id="206" fill="hold">
                             <p:stCondLst>
                               <p:cond delay="0"/>
                             </p:stCondLst>
                             <p:childTnLst>
                               <p:par>
-                                <p:cTn id="223" nodeType="withEffect" fill="hold" presetClass="entr" presetID="1">
+                                <p:cTn id="207" nodeType="withEffect" fill="hold" presetClass="entr" presetID="1">
                                   <p:stCondLst>
                                     <p:cond delay="0"/>
                                   </p:stCondLst>
                                   <p:childTnLst>
                                     <p:set>
                                       <p:cBhvr>
-                                        <p:cTn id="224" dur="1" fill="hold">
+                                        <p:cTn id="208" dur="1" fill="hold">
                                           <p:stCondLst>
                                             <p:cond delay="0"/>
                                           </p:stCondLst>
@@ -13189,26 +13179,26 @@
                     </p:cTn>
                   </p:par>
                   <p:par>
-                    <p:cTn id="225" fill="hold">
+                    <p:cTn id="209" fill="hold">
                       <p:stCondLst>
                         <p:cond delay="indefinite"/>
                       </p:stCondLst>
                       <p:childTnLst>
                         <p:par>
-                          <p:cTn id="226" fill="hold">
+                          <p:cTn id="210" fill="hold">
                             <p:stCondLst>
                               <p:cond delay="0"/>
                             </p:stCondLst>
                             <p:childTnLst>
                               <p:par>
-                                <p:cTn id="227" nodeType="clickEffect" fill="hold" presetClass="entr" presetID="1">
+                                <p:cTn id="211" nodeType="clickEffect" fill="hold" presetClass="entr" presetID="1">
                                   <p:stCondLst>
                                     <p:cond delay="0"/>
                                   </p:stCondLst>
                                   <p:childTnLst>
                                     <p:set>
                                       <p:cBhvr>
-                                        <p:cTn id="228" dur="1" fill="hold">
+                                        <p:cTn id="212" dur="1" fill="hold">
                                           <p:stCondLst>
                                             <p:cond delay="0"/>
                                           </p:stCondLst>
@@ -13234,26 +13224,26 @@
                     </p:cTn>
                   </p:par>
                   <p:par>
-                    <p:cTn id="229" fill="hold">
+                    <p:cTn id="213" fill="hold">
                       <p:stCondLst>
                         <p:cond delay="indefinite"/>
                       </p:stCondLst>
                       <p:childTnLst>
                         <p:par>
-                          <p:cTn id="230" fill="hold">
+                          <p:cTn id="214" fill="hold">
                             <p:stCondLst>
                               <p:cond delay="0"/>
                             </p:stCondLst>
                             <p:childTnLst>
                               <p:par>
-                                <p:cTn id="231" nodeType="clickEffect" fill="hold" presetClass="entr" presetID="1">
+                                <p:cTn id="215" nodeType="clickEffect" fill="hold" presetClass="entr" presetID="1">
                                   <p:stCondLst>
                                     <p:cond delay="0"/>
                                   </p:stCondLst>
                                   <p:childTnLst>
                                     <p:set>
                                       <p:cBhvr>
-                                        <p:cTn id="232" dur="1" fill="hold">
+                                        <p:cTn id="216" dur="1" fill="hold">
                                           <p:stCondLst>
                                             <p:cond delay="0"/>
                                           </p:stCondLst>
@@ -13279,26 +13269,26 @@
                     </p:cTn>
                   </p:par>
                   <p:par>
-                    <p:cTn id="233" fill="hold">
+                    <p:cTn id="217" fill="hold">
                       <p:stCondLst>
                         <p:cond delay="indefinite"/>
                       </p:stCondLst>
                       <p:childTnLst>
                         <p:par>
-                          <p:cTn id="234" fill="hold">
+                          <p:cTn id="218" fill="hold">
                             <p:stCondLst>
                               <p:cond delay="0"/>
                             </p:stCondLst>
                             <p:childTnLst>
                               <p:par>
-                                <p:cTn id="235" nodeType="clickEffect" fill="hold" presetClass="entr" presetID="1">
+                                <p:cTn id="219" nodeType="clickEffect" fill="hold" presetClass="entr" presetID="1">
                                   <p:stCondLst>
                                     <p:cond delay="0"/>
                                   </p:stCondLst>
                                   <p:childTnLst>
                                     <p:set>
                                       <p:cBhvr>
-                                        <p:cTn id="236" dur="1" fill="hold">
+                                        <p:cTn id="220" dur="1" fill="hold">
                                           <p:stCondLst>
                                             <p:cond delay="0"/>
                                           </p:stCondLst>
@@ -13657,7 +13647,7 @@
               <a:t>weightList</a:t>
             </a:r>
             <a:endParaRPr b="0" lang="en-US" sz="1400" spc="-1" strike="noStrike">
-              <a:latin typeface="Courier New"/>
+              <a:latin typeface="Arial"/>
             </a:endParaRPr>
           </a:p>
         </p:txBody>
@@ -14179,7 +14169,7 @@
                 <a:t>weightList</a:t>
               </a:r>
               <a:endParaRPr b="0" lang="en-US" sz="1400" spc="-1" strike="noStrike">
-                <a:latin typeface="Courier New"/>
+                <a:latin typeface="Arial"/>
               </a:endParaRPr>
             </a:p>
           </p:txBody>
@@ -14532,19 +14522,9 @@
           <a:prstGeom prst="rect">
             <a:avLst/>
           </a:prstGeom>
-          <a:gradFill rotWithShape="0">
-            <a:gsLst>
-              <a:gs pos="0">
-                <a:srgbClr val="dddddd"/>
-              </a:gs>
-              <a:gs pos="100000">
-                <a:srgbClr val="dddddd">
-                  <a:alpha val="0"/>
-                </a:srgbClr>
-              </a:gs>
-            </a:gsLst>
-            <a:lin ang="5400000"/>
-          </a:gradFill>
+          <a:solidFill>
+            <a:srgbClr val="dddddd"/>
+          </a:solidFill>
           <a:ln w="12600">
             <a:solidFill>
               <a:srgbClr val="808080"/>
@@ -14564,7 +14544,7 @@
               </a:rPr>
               <a:t>before</a:t>
             </a:r>
-            <a:endParaRPr b="0" i="1" lang="en-US" sz="1800" spc="-1" strike="noStrike">
+            <a:endParaRPr b="0" lang="en-US" sz="1800" spc="-1" strike="noStrike">
               <a:latin typeface="Arial"/>
             </a:endParaRPr>
           </a:p>
@@ -14584,19 +14564,9 @@
           <a:prstGeom prst="rect">
             <a:avLst/>
           </a:prstGeom>
-          <a:gradFill rotWithShape="0">
-            <a:gsLst>
-              <a:gs pos="0">
-                <a:srgbClr val="dddddd"/>
-              </a:gs>
-              <a:gs pos="100000">
-                <a:srgbClr val="dddddd">
-                  <a:alpha val="0"/>
-                </a:srgbClr>
-              </a:gs>
-            </a:gsLst>
-            <a:lin ang="5400000"/>
-          </a:gradFill>
+          <a:solidFill>
+            <a:srgbClr val="dddddd"/>
+          </a:solidFill>
           <a:ln w="12600">
             <a:solidFill>
               <a:srgbClr val="808080"/>
@@ -14616,7 +14586,7 @@
               </a:rPr>
               <a:t>after</a:t>
             </a:r>
-            <a:endParaRPr b="0" i="1" lang="en-US" sz="1800" spc="-1" strike="noStrike">
+            <a:endParaRPr b="0" lang="en-US" sz="1800" spc="-1" strike="noStrike">
               <a:latin typeface="Arial"/>
             </a:endParaRPr>
           </a:p>
@@ -14635,32 +14605,32 @@
   <p:timing>
     <p:tnLst>
       <p:par>
-        <p:cTn id="237" dur="indefinite" restart="never" nodeType="tmRoot">
+        <p:cTn id="221" dur="indefinite" restart="never" nodeType="tmRoot">
           <p:childTnLst>
             <p:seq>
-              <p:cTn id="238" dur="indefinite" nodeType="mainSeq">
+              <p:cTn id="222" dur="indefinite" nodeType="mainSeq">
                 <p:childTnLst>
                   <p:par>
-                    <p:cTn id="239" fill="hold">
+                    <p:cTn id="223" fill="hold">
                       <p:stCondLst>
                         <p:cond delay="0"/>
                       </p:stCondLst>
                       <p:childTnLst>
                         <p:par>
-                          <p:cTn id="240" fill="hold">
+                          <p:cTn id="224" fill="hold">
                             <p:stCondLst>
                               <p:cond delay="0"/>
                             </p:stCondLst>
                             <p:childTnLst>
                               <p:par>
-                                <p:cTn id="241" nodeType="withEffect" fill="hold" presetClass="entr" presetID="1">
+                                <p:cTn id="225" nodeType="withEffect" fill="hold" presetClass="entr" presetID="1">
                                   <p:stCondLst>
                                     <p:cond delay="0"/>
                                   </p:stCondLst>
                                   <p:childTnLst>
                                     <p:set>
                                       <p:cBhvr>
-                                        <p:cTn id="242" dur="1" fill="hold">
+                                        <p:cTn id="226" dur="1" fill="hold">
                                           <p:stCondLst>
                                             <p:cond delay="0"/>
                                           </p:stCondLst>
@@ -14782,7 +14752,7 @@
         </p:nvGraphicFramePr>
         <p:xfrm>
           <a:off x="1043280" y="1497960"/>
-          <a:ext cx="5075280" cy="2879280"/>
+          <a:ext cx="7100280" cy="2158560"/>
         </p:xfrm>
         <a:graphic>
           <a:graphicData uri="http://schemas.openxmlformats.org/drawingml/2006/table">
@@ -14830,7 +14800,7 @@
                         <a:t>)</a:t>
                       </a:r>
                       <a:endParaRPr b="0" lang="en-US" sz="1800" spc="-1" strike="noStrike">
-                        <a:latin typeface="Courier New"/>
+                        <a:latin typeface="Arial"/>
                       </a:endParaRPr>
                     </a:p>
                   </a:txBody>
@@ -15791,22 +15761,9 @@
             <a:off x="4935240" y="3568680"/>
             <a:ext cx="491040" cy="0"/>
           </a:xfrm>
-          <a:custGeom>
-            <a:avLst/>
-            <a:gdLst/>
-            <a:ahLst/>
-            <a:rect l="0" t="0" r="r" b="b"/>
-            <a:pathLst>
-              <a:path w="1365" h="1">
-                <a:moveTo>
-                  <a:pt x="0" y="0"/>
-                </a:moveTo>
-                <a:lnTo>
-                  <a:pt x="1364" y="0"/>
-                </a:lnTo>
-              </a:path>
-            </a:pathLst>
-          </a:custGeom>
+          <a:prstGeom prst="line">
+            <a:avLst/>
+          </a:prstGeom>
           <a:ln w="12600">
             <a:solidFill>
               <a:srgbClr val="000000"/>
@@ -15815,6 +15772,12 @@
             <a:tailEnd len="med" type="triangle" w="med"/>
           </a:ln>
         </p:spPr>
+        <p:style>
+          <a:lnRef idx="0"/>
+          <a:fillRef idx="0"/>
+          <a:effectRef idx="0"/>
+          <a:fontRef idx="minor"/>
+        </p:style>
       </p:sp>
       <p:sp>
         <p:nvSpPr>
@@ -15923,22 +15886,9 @@
             <a:off x="5826240" y="3583440"/>
             <a:ext cx="491040" cy="0"/>
           </a:xfrm>
-          <a:custGeom>
-            <a:avLst/>
-            <a:gdLst/>
-            <a:ahLst/>
-            <a:rect l="0" t="0" r="r" b="b"/>
-            <a:pathLst>
-              <a:path w="1365" h="1">
-                <a:moveTo>
-                  <a:pt x="0" y="0"/>
-                </a:moveTo>
-                <a:lnTo>
-                  <a:pt x="1364" y="0"/>
-                </a:lnTo>
-              </a:path>
-            </a:pathLst>
-          </a:custGeom>
+          <a:prstGeom prst="line">
+            <a:avLst/>
+          </a:prstGeom>
           <a:ln w="12600">
             <a:solidFill>
               <a:srgbClr val="000000"/>
@@ -15947,6 +15897,12 @@
             <a:tailEnd len="med" type="triangle" w="med"/>
           </a:ln>
         </p:spPr>
+        <p:style>
+          <a:lnRef idx="0"/>
+          <a:fillRef idx="0"/>
+          <a:effectRef idx="0"/>
+          <a:fontRef idx="minor"/>
+        </p:style>
       </p:sp>
       <p:sp>
         <p:nvSpPr>
@@ -17018,7 +16974,7 @@
         <p:spPr>
           <a:xfrm>
             <a:off x="2562480" y="1433520"/>
-            <a:ext cx="7008120" cy="3771000"/>
+            <a:ext cx="7008120" cy="4001040"/>
           </a:xfrm>
           <a:prstGeom prst="rect">
             <a:avLst/>
@@ -17033,17 +16989,27 @@
             <a:noAutofit/>
           </a:bodyPr>
           <a:p>
+            <a:pPr>
+              <a:lnSpc>
+                <a:spcPct val="100000"/>
+              </a:lnSpc>
+            </a:pPr>
             <a:r>
               <a:rPr b="0" lang="en-US" sz="1600" spc="-1" strike="noStrike">
                 <a:latin typeface="Courier New"/>
               </a:rPr>
-              <a:t>public void shuffle() {</a:t>
+              <a:t>private static int randomInt(int low, int high) {</a:t>
             </a:r>
             <a:endParaRPr b="0" lang="en-US" sz="1600" spc="-1" strike="noStrike">
               <a:latin typeface="Arial"/>
             </a:endParaRPr>
           </a:p>
           <a:p>
+            <a:pPr>
+              <a:lnSpc>
+                <a:spcPct val="100000"/>
+              </a:lnSpc>
+            </a:pPr>
             <a:r>
               <a:rPr b="0" lang="en-US" sz="1600" spc="-1" strike="noStrike">
                 <a:latin typeface="Courier New"/>
@@ -17054,102 +17020,153 @@
               <a:rPr b="0" lang="en-US" sz="1600" spc="-1" strike="noStrike">
                 <a:latin typeface="Courier New"/>
               </a:rPr>
-              <a:t>for each index i {</a:t>
+              <a:t>// return a random number between low and high,</a:t>
             </a:r>
             <a:endParaRPr b="0" lang="en-US" sz="1600" spc="-1" strike="noStrike">
               <a:latin typeface="Arial"/>
             </a:endParaRPr>
           </a:p>
           <a:p>
+            <a:pPr>
+              <a:lnSpc>
+                <a:spcPct val="100000"/>
+              </a:lnSpc>
+            </a:pPr>
             <a:r>
               <a:rPr b="0" lang="en-US" sz="1600" spc="-1" strike="noStrike">
                 <a:latin typeface="Courier New"/>
               </a:rPr>
-              <a:t>      </a:t>
+              <a:t>   </a:t>
             </a:r>
             <a:r>
               <a:rPr b="0" lang="en-US" sz="1600" spc="-1" strike="noStrike">
                 <a:latin typeface="Courier New"/>
               </a:rPr>
-              <a:t>// choose a random number between i and length - 1</a:t>
+              <a:t>// including both</a:t>
             </a:r>
             <a:endParaRPr b="0" lang="en-US" sz="1600" spc="-1" strike="noStrike">
               <a:latin typeface="Arial"/>
             </a:endParaRPr>
           </a:p>
           <a:p>
+            <a:pPr>
+              <a:lnSpc>
+                <a:spcPct val="100000"/>
+              </a:lnSpc>
+            </a:pPr>
             <a:r>
               <a:rPr b="0" lang="en-US" sz="1600" spc="-1" strike="noStrike">
                 <a:latin typeface="Courier New"/>
               </a:rPr>
-              <a:t>      </a:t>
-            </a:r>
+              <a:t>}</a:t>
+            </a:r>
+            <a:endParaRPr b="0" lang="en-US" sz="1600" spc="-1" strike="noStrike">
+              <a:latin typeface="Arial"/>
+            </a:endParaRPr>
+          </a:p>
+          <a:p>
+            <a:pPr>
+              <a:lnSpc>
+                <a:spcPct val="100000"/>
+              </a:lnSpc>
+            </a:pPr>
+            <a:endParaRPr b="0" lang="en-US" sz="1600" spc="-1" strike="noStrike">
+              <a:latin typeface="Arial"/>
+            </a:endParaRPr>
+          </a:p>
+          <a:p>
+            <a:pPr>
+              <a:lnSpc>
+                <a:spcPct val="100000"/>
+              </a:lnSpc>
+            </a:pPr>
             <a:r>
               <a:rPr b="0" lang="en-US" sz="1600" spc="-1" strike="noStrike">
                 <a:latin typeface="Courier New"/>
               </a:rPr>
-              <a:t>// swap the ith card and the randomly-chosen card</a:t>
+              <a:t>private void swapCards(int i, int j) {</a:t>
             </a:r>
             <a:endParaRPr b="0" lang="en-US" sz="1600" spc="-1" strike="noStrike">
               <a:latin typeface="Arial"/>
             </a:endParaRPr>
           </a:p>
           <a:p>
+            <a:pPr>
+              <a:lnSpc>
+                <a:spcPct val="100000"/>
+              </a:lnSpc>
+            </a:pPr>
             <a:r>
               <a:rPr b="0" lang="en-US" sz="1600" spc="-1" strike="noStrike">
                 <a:latin typeface="Courier New"/>
+                <a:ea typeface="Noto Sans CJK SC"/>
               </a:rPr>
               <a:t>   </a:t>
             </a:r>
             <a:r>
               <a:rPr b="0" lang="en-US" sz="1600" spc="-1" strike="noStrike">
                 <a:latin typeface="Courier New"/>
-              </a:rPr>
-              <a:t>}</a:t>
-            </a:r>
-            <a:endParaRPr b="0" lang="en-US" sz="1600" spc="-1" strike="noStrike">
-              <a:latin typeface="Arial"/>
-            </a:endParaRPr>
-          </a:p>
-          <a:p>
+                <a:ea typeface="Noto Sans CJK SC"/>
+              </a:rPr>
+              <a:t>// swap the i</a:t>
+            </a:r>
+            <a:r>
+              <a:rPr b="0" lang="en-US" sz="1600" spc="-1" strike="noStrike" baseline="14000000">
+                <a:latin typeface="Courier New"/>
+                <a:ea typeface="Noto Sans CJK SC"/>
+              </a:rPr>
+              <a:t>th</a:t>
+            </a:r>
             <a:r>
               <a:rPr b="0" lang="en-US" sz="1600" spc="-1" strike="noStrike">
                 <a:latin typeface="Courier New"/>
-              </a:rPr>
-              <a:t>}</a:t>
-            </a:r>
-            <a:endParaRPr b="0" lang="en-US" sz="1600" spc="-1" strike="noStrike">
-              <a:latin typeface="Arial"/>
-            </a:endParaRPr>
-          </a:p>
-          <a:p>
-            <a:endParaRPr b="0" lang="en-US" sz="1600" spc="-1" strike="noStrike">
-              <a:latin typeface="Arial"/>
-            </a:endParaRPr>
-          </a:p>
-          <a:p>
+                <a:ea typeface="Noto Sans CJK SC"/>
+              </a:rPr>
+              <a:t> and the j</a:t>
+            </a:r>
+            <a:r>
+              <a:rPr b="0" lang="en-US" sz="1600" spc="-1" strike="noStrike" baseline="14000000">
+                <a:latin typeface="Courier New"/>
+              </a:rPr>
+              <a:t>th</a:t>
+            </a:r>
             <a:r>
               <a:rPr b="0" lang="en-US" sz="1600" spc="-1" strike="noStrike">
                 <a:latin typeface="Courier New"/>
               </a:rPr>
-              <a:t>private static int randomInt(int low, int high) {</a:t>
+              <a:t> cards in the array</a:t>
             </a:r>
             <a:endParaRPr b="0" lang="en-US" sz="1600" spc="-1" strike="noStrike">
               <a:latin typeface="Arial"/>
             </a:endParaRPr>
           </a:p>
           <a:p>
+            <a:pPr>
+              <a:lnSpc>
+                <a:spcPct val="100000"/>
+              </a:lnSpc>
+            </a:pPr>
             <a:r>
               <a:rPr b="0" lang="en-US" sz="1600" spc="-1" strike="noStrike">
                 <a:latin typeface="Courier New"/>
               </a:rPr>
-              <a:t>   </a:t>
-            </a:r>
+              <a:t>}</a:t>
+            </a:r>
+            <a:endParaRPr b="0" lang="en-US" sz="1600" spc="-1" strike="noStrike">
+              <a:latin typeface="Arial"/>
+            </a:endParaRPr>
+          </a:p>
+          <a:p>
+            <a:endParaRPr b="0" lang="en-US" sz="1600" spc="-1" strike="noStrike">
+              <a:latin typeface="Arial"/>
+            </a:endParaRPr>
+          </a:p>
+          <a:p>
             <a:r>
               <a:rPr b="0" lang="en-US" sz="1600" spc="-1" strike="noStrike">
                 <a:latin typeface="Courier New"/>
               </a:rPr>
-              <a:t>// return a random number between low and high,</a:t>
+              <a:t>public void shuffle() {</a:t>
             </a:r>
             <a:endParaRPr b="0" lang="en-US" sz="1600" spc="-1" strike="noStrike">
               <a:latin typeface="Arial"/>
@@ -17166,7 +17183,7 @@
               <a:rPr b="0" lang="en-US" sz="1600" spc="-1" strike="noStrike">
                 <a:latin typeface="Courier New"/>
               </a:rPr>
-              <a:t>// including both</a:t>
+              <a:t>for each index i {</a:t>
             </a:r>
             <a:endParaRPr b="0" lang="en-US" sz="1600" spc="-1" strike="noStrike">
               <a:latin typeface="Arial"/>
@@ -17177,23 +17194,13 @@
               <a:rPr b="0" lang="en-US" sz="1600" spc="-1" strike="noStrike">
                 <a:latin typeface="Courier New"/>
               </a:rPr>
-              <a:t>}</a:t>
-            </a:r>
-            <a:endParaRPr b="0" lang="en-US" sz="1600" spc="-1" strike="noStrike">
-              <a:latin typeface="Arial"/>
-            </a:endParaRPr>
-          </a:p>
-          <a:p>
-            <a:endParaRPr b="0" lang="en-US" sz="1600" spc="-1" strike="noStrike">
-              <a:latin typeface="Arial"/>
-            </a:endParaRPr>
-          </a:p>
-          <a:p>
+              <a:t>      </a:t>
+            </a:r>
             <a:r>
               <a:rPr b="0" lang="en-US" sz="1600" spc="-1" strike="noStrike">
                 <a:latin typeface="Courier New"/>
               </a:rPr>
-              <a:t>private void swapCards(int i, int j) {</a:t>
+              <a:t>// choose a random number between i and length - 1</a:t>
             </a:r>
             <a:endParaRPr b="0" lang="en-US" sz="1600" spc="-1" strike="noStrike">
               <a:latin typeface="Arial"/>
@@ -17204,25 +17211,59 @@
               <a:rPr b="0" lang="en-US" sz="1600" spc="-1" strike="noStrike">
                 <a:latin typeface="Courier New"/>
               </a:rPr>
-              <a:t>   </a:t>
+              <a:t>      </a:t>
             </a:r>
             <a:r>
               <a:rPr b="0" lang="en-US" sz="1600" spc="-1" strike="noStrike">
                 <a:latin typeface="Courier New"/>
               </a:rPr>
-              <a:t>// swap the ith and the jth cards in the array</a:t>
-            </a:r>
-            <a:endParaRPr b="0" lang="en-US" sz="1600" spc="-1" strike="noStrike">
-              <a:latin typeface="Arial"/>
-            </a:endParaRPr>
-          </a:p>
-          <a:p>
+              <a:t>// swap the i</a:t>
+            </a:r>
+            <a:r>
+              <a:rPr b="0" lang="en-US" sz="1600" spc="-1" strike="noStrike" baseline="14000000">
+                <a:latin typeface="Courier New"/>
+              </a:rPr>
+              <a:t>th</a:t>
+            </a:r>
             <a:r>
               <a:rPr b="0" lang="en-US" sz="1600" spc="-1" strike="noStrike">
                 <a:latin typeface="Courier New"/>
               </a:rPr>
+              <a:t> card and the randomly-chosen card</a:t>
+            </a:r>
+            <a:endParaRPr b="0" lang="en-US" sz="1600" spc="-1" strike="noStrike">
+              <a:latin typeface="Arial"/>
+            </a:endParaRPr>
+          </a:p>
+          <a:p>
+            <a:r>
+              <a:rPr b="0" lang="en-US" sz="1600" spc="-1" strike="noStrike">
+                <a:latin typeface="Courier New"/>
+              </a:rPr>
+              <a:t>   </a:t>
+            </a:r>
+            <a:r>
+              <a:rPr b="0" lang="en-US" sz="1600" spc="-1" strike="noStrike">
+                <a:latin typeface="Courier New"/>
+              </a:rPr>
               <a:t>}</a:t>
             </a:r>
+            <a:endParaRPr b="0" lang="en-US" sz="1600" spc="-1" strike="noStrike">
+              <a:latin typeface="Arial"/>
+            </a:endParaRPr>
+          </a:p>
+          <a:p>
+            <a:r>
+              <a:rPr b="0" lang="en-US" sz="1600" spc="-1" strike="noStrike">
+                <a:latin typeface="Courier New"/>
+              </a:rPr>
+              <a:t>}</a:t>
+            </a:r>
+            <a:endParaRPr b="0" lang="en-US" sz="1600" spc="-1" strike="noStrike">
+              <a:latin typeface="Arial"/>
+            </a:endParaRPr>
+          </a:p>
+          <a:p>
             <a:endParaRPr b="0" lang="en-US" sz="1600" spc="-1" strike="noStrike">
               <a:latin typeface="Arial"/>
             </a:endParaRPr>
@@ -17242,7 +17283,7 @@
         </p:nvSpPr>
         <p:spPr>
           <a:xfrm>
-            <a:off x="348480" y="1383480"/>
+            <a:off x="204120" y="3634920"/>
             <a:ext cx="2045880" cy="818280"/>
           </a:xfrm>
           <a:prstGeom prst="wedgeRectCallout">
@@ -17328,7 +17369,7 @@
         </p:nvSpPr>
         <p:spPr>
           <a:xfrm>
-            <a:off x="144360" y="3213720"/>
+            <a:off x="196560" y="1698480"/>
             <a:ext cx="1943280" cy="1125360"/>
           </a:xfrm>
           <a:prstGeom prst="rect">
@@ -17436,7 +17477,7 @@
         </p:nvSpPr>
         <p:spPr>
           <a:xfrm>
-            <a:off x="2337840" y="3088440"/>
+            <a:off x="2346480" y="1616400"/>
             <a:ext cx="105840" cy="1366200"/>
           </a:xfrm>
           <a:custGeom>
@@ -17665,39 +17706,26 @@
                                   </p:childTnLst>
                                 </p:cTn>
                               </p:par>
+                            </p:childTnLst>
+                          </p:cTn>
+                        </p:par>
+                      </p:childTnLst>
+                    </p:cTn>
+                  </p:par>
+                  <p:par>
+                    <p:cTn id="63" fill="hold">
+                      <p:stCondLst>
+                        <p:cond delay="indefinite"/>
+                      </p:stCondLst>
+                      <p:childTnLst>
+                        <p:par>
+                          <p:cTn id="64" fill="hold">
+                            <p:stCondLst>
+                              <p:cond delay="0"/>
+                            </p:stCondLst>
+                            <p:childTnLst>
                               <p:par>
-                                <p:cTn id="63" nodeType="withEffect" fill="hold" presetClass="entr" presetID="1">
-                                  <p:stCondLst>
-                                    <p:cond delay="0"/>
-                                  </p:stCondLst>
-                                  <p:childTnLst>
-                                    <p:set>
-                                      <p:cBhvr>
-                                        <p:cTn id="64" dur="1" fill="hold">
-                                          <p:stCondLst>
-                                            <p:cond delay="0"/>
-                                          </p:stCondLst>
-                                        </p:cTn>
-                                        <p:tgtEl>
-                                          <p:spTgt spid="104">
-                                            <p:txEl>
-                                              <p:pRg st="5" end="5"/>
-                                            </p:txEl>
-                                          </p:spTgt>
-                                        </p:tgtEl>
-                                        <p:attrNameLst>
-                                          <p:attrName>style.visibility</p:attrName>
-                                        </p:attrNameLst>
-                                      </p:cBhvr>
-                                      <p:to>
-                                        <p:strVal val="visible"/>
-                                      </p:to>
-                                    </p:set>
-                                  </p:childTnLst>
-                                </p:cTn>
-                              </p:par>
-                              <p:par>
-                                <p:cTn id="65" nodeType="withEffect" fill="hold" presetClass="entr" presetID="1">
+                                <p:cTn id="65" nodeType="clickEffect" fill="hold" presetClass="entr" presetID="1">
                                   <p:stCondLst>
                                     <p:cond delay="0"/>
                                   </p:stCondLst>
@@ -17710,11 +17738,7 @@
                                           </p:stCondLst>
                                         </p:cTn>
                                         <p:tgtEl>
-                                          <p:spTgt spid="104">
-                                            <p:txEl>
-                                              <p:pRg st="7" end="7"/>
-                                            </p:txEl>
-                                          </p:spTgt>
+                                          <p:spTgt spid="106"/>
                                         </p:tgtEl>
                                         <p:attrNameLst>
                                           <p:attrName>style.visibility</p:attrName>
@@ -17741,166 +17765,7 @@
                                           </p:stCondLst>
                                         </p:cTn>
                                         <p:tgtEl>
-                                          <p:spTgt spid="104">
-                                            <p:txEl>
-                                              <p:pRg st="8" end="8"/>
-                                            </p:txEl>
-                                          </p:spTgt>
-                                        </p:tgtEl>
-                                        <p:attrNameLst>
-                                          <p:attrName>style.visibility</p:attrName>
-                                        </p:attrNameLst>
-                                      </p:cBhvr>
-                                      <p:to>
-                                        <p:strVal val="visible"/>
-                                      </p:to>
-                                    </p:set>
-                                  </p:childTnLst>
-                                </p:cTn>
-                              </p:par>
-                              <p:par>
-                                <p:cTn id="69" nodeType="withEffect" fill="hold" presetClass="entr" presetID="1">
-                                  <p:stCondLst>
-                                    <p:cond delay="0"/>
-                                  </p:stCondLst>
-                                  <p:childTnLst>
-                                    <p:set>
-                                      <p:cBhvr>
-                                        <p:cTn id="70" dur="1" fill="hold">
-                                          <p:stCondLst>
-                                            <p:cond delay="0"/>
-                                          </p:stCondLst>
-                                        </p:cTn>
-                                        <p:tgtEl>
-                                          <p:spTgt spid="104">
-                                            <p:txEl>
-                                              <p:pRg st="9" end="9"/>
-                                            </p:txEl>
-                                          </p:spTgt>
-                                        </p:tgtEl>
-                                        <p:attrNameLst>
-                                          <p:attrName>style.visibility</p:attrName>
-                                        </p:attrNameLst>
-                                      </p:cBhvr>
-                                      <p:to>
-                                        <p:strVal val="visible"/>
-                                      </p:to>
-                                    </p:set>
-                                  </p:childTnLst>
-                                </p:cTn>
-                              </p:par>
-                              <p:par>
-                                <p:cTn id="71" nodeType="withEffect" fill="hold" presetClass="entr" presetID="1">
-                                  <p:stCondLst>
-                                    <p:cond delay="0"/>
-                                  </p:stCondLst>
-                                  <p:childTnLst>
-                                    <p:set>
-                                      <p:cBhvr>
-                                        <p:cTn id="72" dur="1" fill="hold">
-                                          <p:stCondLst>
-                                            <p:cond delay="0"/>
-                                          </p:stCondLst>
-                                        </p:cTn>
-                                        <p:tgtEl>
-                                          <p:spTgt spid="104">
-                                            <p:txEl>
-                                              <p:pRg st="10" end="10"/>
-                                            </p:txEl>
-                                          </p:spTgt>
-                                        </p:tgtEl>
-                                        <p:attrNameLst>
-                                          <p:attrName>style.visibility</p:attrName>
-                                        </p:attrNameLst>
-                                      </p:cBhvr>
-                                      <p:to>
-                                        <p:strVal val="visible"/>
-                                      </p:to>
-                                    </p:set>
-                                  </p:childTnLst>
-                                </p:cTn>
-                              </p:par>
-                              <p:par>
-                                <p:cTn id="73" nodeType="withEffect" fill="hold" presetClass="entr" presetID="1">
-                                  <p:stCondLst>
-                                    <p:cond delay="0"/>
-                                  </p:stCondLst>
-                                  <p:childTnLst>
-                                    <p:set>
-                                      <p:cBhvr>
-                                        <p:cTn id="74" dur="1" fill="hold">
-                                          <p:stCondLst>
-                                            <p:cond delay="0"/>
-                                          </p:stCondLst>
-                                        </p:cTn>
-                                        <p:tgtEl>
-                                          <p:spTgt spid="104">
-                                            <p:txEl>
-                                              <p:pRg st="12" end="12"/>
-                                            </p:txEl>
-                                          </p:spTgt>
-                                        </p:tgtEl>
-                                        <p:attrNameLst>
-                                          <p:attrName>style.visibility</p:attrName>
-                                        </p:attrNameLst>
-                                      </p:cBhvr>
-                                      <p:to>
-                                        <p:strVal val="visible"/>
-                                      </p:to>
-                                    </p:set>
-                                  </p:childTnLst>
-                                </p:cTn>
-                              </p:par>
-                              <p:par>
-                                <p:cTn id="75" nodeType="withEffect" fill="hold" presetClass="entr" presetID="1">
-                                  <p:stCondLst>
-                                    <p:cond delay="0"/>
-                                  </p:stCondLst>
-                                  <p:childTnLst>
-                                    <p:set>
-                                      <p:cBhvr>
-                                        <p:cTn id="76" dur="1" fill="hold">
-                                          <p:stCondLst>
-                                            <p:cond delay="0"/>
-                                          </p:stCondLst>
-                                        </p:cTn>
-                                        <p:tgtEl>
-                                          <p:spTgt spid="104">
-                                            <p:txEl>
-                                              <p:pRg st="13" end="13"/>
-                                            </p:txEl>
-                                          </p:spTgt>
-                                        </p:tgtEl>
-                                        <p:attrNameLst>
-                                          <p:attrName>style.visibility</p:attrName>
-                                        </p:attrNameLst>
-                                      </p:cBhvr>
-                                      <p:to>
-                                        <p:strVal val="visible"/>
-                                      </p:to>
-                                    </p:set>
-                                  </p:childTnLst>
-                                </p:cTn>
-                              </p:par>
-                              <p:par>
-                                <p:cTn id="77" nodeType="withEffect" fill="hold" presetClass="entr" presetID="1">
-                                  <p:stCondLst>
-                                    <p:cond delay="0"/>
-                                  </p:stCondLst>
-                                  <p:childTnLst>
-                                    <p:set>
-                                      <p:cBhvr>
-                                        <p:cTn id="78" dur="1" fill="hold">
-                                          <p:stCondLst>
-                                            <p:cond delay="0"/>
-                                          </p:stCondLst>
-                                        </p:cTn>
-                                        <p:tgtEl>
-                                          <p:spTgt spid="104">
-                                            <p:txEl>
-                                              <p:pRg st="14" end="14"/>
-                                            </p:txEl>
-                                          </p:spTgt>
+                                          <p:spTgt spid="107"/>
                                         </p:tgtEl>
                                         <p:attrNameLst>
                                           <p:attrName>style.visibility</p:attrName>
@@ -17920,104 +17785,32 @@
                     </p:cTn>
                   </p:par>
                   <p:par>
-                    <p:cTn id="79" fill="hold">
+                    <p:cTn id="69" fill="hold">
                       <p:stCondLst>
                         <p:cond delay="indefinite"/>
                       </p:stCondLst>
                       <p:childTnLst>
                         <p:par>
-                          <p:cTn id="80" fill="hold">
+                          <p:cTn id="70" fill="hold">
                             <p:stCondLst>
                               <p:cond delay="0"/>
                             </p:stCondLst>
                             <p:childTnLst>
                               <p:par>
-                                <p:cTn id="81" nodeType="clickEffect" fill="hold" presetClass="entr" presetID="1">
+                                <p:cTn id="71" nodeType="clickEffect" fill="hold" presetClass="entr" presetID="1">
                                   <p:stCondLst>
                                     <p:cond delay="0"/>
                                   </p:stCondLst>
                                   <p:childTnLst>
                                     <p:set>
                                       <p:cBhvr>
-                                        <p:cTn id="82" dur="1" fill="hold">
+                                        <p:cTn id="72" dur="1" fill="hold">
                                           <p:stCondLst>
                                             <p:cond delay="0"/>
                                           </p:stCondLst>
                                         </p:cTn>
                                         <p:tgtEl>
                                           <p:spTgt spid="105"/>
-                                        </p:tgtEl>
-                                        <p:attrNameLst>
-                                          <p:attrName>style.visibility</p:attrName>
-                                        </p:attrNameLst>
-                                      </p:cBhvr>
-                                      <p:to>
-                                        <p:strVal val="visible"/>
-                                      </p:to>
-                                    </p:set>
-                                  </p:childTnLst>
-                                </p:cTn>
-                              </p:par>
-                            </p:childTnLst>
-                          </p:cTn>
-                        </p:par>
-                      </p:childTnLst>
-                    </p:cTn>
-                  </p:par>
-                  <p:par>
-                    <p:cTn id="83" fill="hold">
-                      <p:stCondLst>
-                        <p:cond delay="indefinite"/>
-                      </p:stCondLst>
-                      <p:childTnLst>
-                        <p:par>
-                          <p:cTn id="84" fill="hold">
-                            <p:stCondLst>
-                              <p:cond delay="0"/>
-                            </p:stCondLst>
-                            <p:childTnLst>
-                              <p:par>
-                                <p:cTn id="85" nodeType="clickEffect" fill="hold" presetClass="entr" presetID="1">
-                                  <p:stCondLst>
-                                    <p:cond delay="0"/>
-                                  </p:stCondLst>
-                                  <p:childTnLst>
-                                    <p:set>
-                                      <p:cBhvr>
-                                        <p:cTn id="86" dur="1" fill="hold">
-                                          <p:stCondLst>
-                                            <p:cond delay="0"/>
-                                          </p:stCondLst>
-                                        </p:cTn>
-                                        <p:tgtEl>
-                                          <p:spTgt spid="106"/>
-                                        </p:tgtEl>
-                                        <p:attrNameLst>
-                                          <p:attrName>style.visibility</p:attrName>
-                                        </p:attrNameLst>
-                                      </p:cBhvr>
-                                      <p:to>
-                                        <p:strVal val="visible"/>
-                                      </p:to>
-                                    </p:set>
-                                  </p:childTnLst>
-                                </p:cTn>
-                              </p:par>
-                              <p:par>
-                                <p:cTn id="87" nodeType="withEffect" fill="hold" presetClass="entr" presetID="1">
-                                  <p:stCondLst>
-                                    <p:cond delay="0"/>
-                                  </p:stCondLst>
-                                  <p:childTnLst>
-                                    <p:set>
-                                      <p:cBhvr>
-                                        <p:cTn id="88" dur="1" fill="hold">
-                                          <p:stCondLst>
-                                            <p:cond delay="0"/>
-                                          </p:stCondLst>
-                                        </p:cTn>
-                                        <p:tgtEl>
-                                          <p:spTgt spid="107"/>
                                         </p:tgtEl>
                                         <p:attrNameLst>
                                           <p:attrName>style.visibility</p:attrName>

--- a/chapter13.pptx
+++ b/chapter13.pptx
@@ -1724,7 +1724,7 @@
           </a:bodyPr>
           <a:p>
             <a:pPr algn="r"/>
-            <a:fld id="{350BE8BA-E506-4ACE-9213-9CDD7D23EF7E}" type="slidenum">
+            <a:fld id="{52983E95-298E-48AC-9D44-DF562E6B975E}" type="slidenum">
               <a:rPr b="0" lang="en-US" sz="1400" spc="-1" strike="noStrike">
                 <a:latin typeface="Times New Roman"/>
               </a:rPr>
@@ -14752,7 +14752,7 @@
         </p:nvGraphicFramePr>
         <p:xfrm>
           <a:off x="1043280" y="1497960"/>
-          <a:ext cx="7100280" cy="2158560"/>
+          <a:ext cx="7100280" cy="2891880"/>
         </p:xfrm>
         <a:graphic>
           <a:graphicData uri="http://schemas.openxmlformats.org/drawingml/2006/table">
@@ -14762,7 +14762,119 @@
                 <a:gridCol w="2995560"/>
                 <a:gridCol w="4105080"/>
               </a:tblGrid>
-              <a:tr h="719640">
+              <a:tr h="510840">
+                <a:tc>
+                  <a:txBody>
+                    <a:bodyPr lIns="90000" rIns="90000" tIns="46800" bIns="46800" anchor="ctr">
+                      <a:noAutofit/>
+                    </a:bodyPr>
+                    <a:p>
+                      <a:r>
+                        <a:rPr b="0" lang="en-US" sz="1800" spc="-1" strike="noStrike">
+                          <a:latin typeface="Courier New"/>
+                        </a:rPr>
+                        <a:t>get(</a:t>
+                      </a:r>
+                      <a:r>
+                        <a:rPr b="0" i="1" lang="en-US" sz="1800" spc="-1" strike="noStrike">
+                          <a:latin typeface="Courier New"/>
+                        </a:rPr>
+                        <a:t>index</a:t>
+                      </a:r>
+                      <a:r>
+                        <a:rPr b="0" lang="en-US" sz="1800" spc="-1" strike="noStrike">
+                          <a:latin typeface="Courier New"/>
+                        </a:rPr>
+                        <a:t>)</a:t>
+                      </a:r>
+                      <a:endParaRPr b="0" lang="en-US" sz="1800" spc="-1" strike="noStrike">
+                        <a:latin typeface="Arial"/>
+                      </a:endParaRPr>
+                    </a:p>
+                  </a:txBody>
+                  <a:tcPr marL="90000" marR="90000">
+                    <a:lnL w="720">
+                      <a:solidFill>
+                        <a:srgbClr val="000000"/>
+                      </a:solidFill>
+                    </a:lnL>
+                    <a:lnR w="720">
+                      <a:solidFill>
+                        <a:srgbClr val="000000"/>
+                      </a:solidFill>
+                    </a:lnR>
+                    <a:lnT w="720">
+                      <a:solidFill>
+                        <a:srgbClr val="000000"/>
+                      </a:solidFill>
+                    </a:lnT>
+                    <a:lnB w="720">
+                      <a:solidFill>
+                        <a:srgbClr val="000000"/>
+                      </a:solidFill>
+                    </a:lnB>
+                    <a:solidFill>
+                      <a:srgbClr val="ffffff"/>
+                    </a:solidFill>
+                  </a:tcPr>
+                </a:tc>
+                <a:tc>
+                  <a:txBody>
+                    <a:bodyPr lIns="90000" rIns="90000" tIns="46800" bIns="46800" anchor="ctr">
+                      <a:noAutofit/>
+                    </a:bodyPr>
+                    <a:p>
+                      <a:r>
+                        <a:rPr b="0" lang="en-US" sz="1800" spc="-1" strike="noStrike">
+                          <a:latin typeface="Arial"/>
+                        </a:rPr>
+                        <a:t>Returns the object at position </a:t>
+                      </a:r>
+                      <a:r>
+                        <a:rPr b="0" i="1" lang="en-US" sz="1800" spc="-1" strike="noStrike">
+                          <a:latin typeface="Arial"/>
+                        </a:rPr>
+                        <a:t>index</a:t>
+                      </a:r>
+                      <a:r>
+                        <a:rPr b="0" lang="en-US" sz="1800" spc="-1" strike="noStrike">
+                          <a:latin typeface="Arial"/>
+                        </a:rPr>
+                        <a:t>.</a:t>
+                      </a:r>
+                      <a:endParaRPr b="0" lang="en-US" sz="1800" spc="-1" strike="noStrike">
+                        <a:latin typeface="Arial"/>
+                      </a:endParaRPr>
+                    </a:p>
+                  </a:txBody>
+                  <a:tcPr marL="90000" marR="90000">
+                    <a:lnL w="720">
+                      <a:solidFill>
+                        <a:srgbClr val="000000"/>
+                      </a:solidFill>
+                    </a:lnL>
+                    <a:lnR w="720">
+                      <a:solidFill>
+                        <a:srgbClr val="000000"/>
+                      </a:solidFill>
+                    </a:lnR>
+                    <a:lnT w="720">
+                      <a:solidFill>
+                        <a:srgbClr val="000000"/>
+                      </a:solidFill>
+                    </a:lnT>
+                    <a:lnB w="720">
+                      <a:solidFill>
+                        <a:srgbClr val="000000"/>
+                      </a:solidFill>
+                    </a:lnB>
+                    <a:solidFill>
+                      <a:srgbClr val="ffffff"/>
+                    </a:solidFill>
+                  </a:tcPr>
+                </a:tc>
+              </a:tr>
+              <a:tr h="640800">
                 <a:tc>
                   <a:txBody>
                     <a:bodyPr lIns="90000" rIns="90000" tIns="46800" bIns="46800" anchor="ctr">
@@ -14800,7 +14912,7 @@
                         <a:t>)</a:t>
                       </a:r>
                       <a:endParaRPr b="0" lang="en-US" sz="1800" spc="-1" strike="noStrike">
-                        <a:latin typeface="Arial"/>
+                        <a:latin typeface="Courier New"/>
                       </a:endParaRPr>
                     </a:p>
                   </a:txBody>
@@ -14898,7 +15010,7 @@
                   </a:tcPr>
                 </a:tc>
               </a:tr>
-              <a:tr h="719640">
+              <a:tr h="822600">
                 <a:tc>
                   <a:txBody>
                     <a:bodyPr lIns="90000" rIns="90000" tIns="46800" bIns="46800" anchor="ctr">
@@ -14998,7 +15110,7 @@
                   </a:tcPr>
                 </a:tc>
               </a:tr>
-              <a:tr h="719640">
+              <a:tr h="918000">
                 <a:tc>
                   <a:txBody>
                     <a:bodyPr lIns="90000" rIns="90000" tIns="46800" bIns="46800" anchor="ctr">
